--- a/streams/docs/pldi-2011/figures/general-fission.pptx
+++ b/streams/docs/pldi-2011/figures/general-fission.pptx
@@ -3072,7 +3072,7 @@
         </p:nvSpPr>
         <p:spPr>
           <a:xfrm>
-            <a:off x="2359774" y="4966965"/>
+            <a:off x="2359774" y="4950031"/>
             <a:ext cx="1633304" cy="2446824"/>
           </a:xfrm>
           <a:prstGeom prst="rect">
@@ -5133,7 +5133,7 @@
         </p:nvSpPr>
         <p:spPr>
           <a:xfrm>
-            <a:off x="3079794" y="3299038"/>
+            <a:off x="3079794" y="3282104"/>
             <a:ext cx="690730" cy="343977"/>
           </a:xfrm>
           <a:prstGeom prst="roundRect">
@@ -5177,7 +5177,7 @@
         </p:nvSpPr>
         <p:spPr>
           <a:xfrm>
-            <a:off x="3153935" y="3181350"/>
+            <a:off x="3153935" y="3164416"/>
             <a:ext cx="616588" cy="461665"/>
           </a:xfrm>
           <a:prstGeom prst="rect">
@@ -5216,7 +5216,7 @@
         </p:nvSpPr>
         <p:spPr>
           <a:xfrm>
-            <a:off x="90207" y="5089762"/>
+            <a:off x="90207" y="5072828"/>
             <a:ext cx="1956729" cy="2348803"/>
           </a:xfrm>
           <a:prstGeom prst="roundRect">
@@ -5262,7 +5262,7 @@
         </p:nvSpPr>
         <p:spPr>
           <a:xfrm>
-            <a:off x="4246801" y="6137513"/>
+            <a:off x="4246801" y="6120579"/>
             <a:ext cx="320408" cy="261610"/>
           </a:xfrm>
           <a:prstGeom prst="rect">
@@ -5294,7 +5294,7 @@
         </p:nvSpPr>
         <p:spPr>
           <a:xfrm>
-            <a:off x="56341" y="4968039"/>
+            <a:off x="56341" y="4951105"/>
             <a:ext cx="2039098" cy="2975173"/>
           </a:xfrm>
           <a:prstGeom prst="rect">
@@ -6117,7 +6117,7 @@
         </p:nvSpPr>
         <p:spPr>
           <a:xfrm>
-            <a:off x="2385173" y="5088689"/>
+            <a:off x="2385173" y="5071755"/>
             <a:ext cx="1607904" cy="2387600"/>
           </a:xfrm>
           <a:prstGeom prst="roundRect">
@@ -6163,7 +6163,7 @@
         </p:nvSpPr>
         <p:spPr>
           <a:xfrm>
-            <a:off x="5102301" y="5087615"/>
+            <a:off x="5102301" y="5070681"/>
             <a:ext cx="1609344" cy="2387600"/>
           </a:xfrm>
           <a:prstGeom prst="roundRect">
@@ -6209,7 +6209,7 @@
         </p:nvSpPr>
         <p:spPr>
           <a:xfrm>
-            <a:off x="5076901" y="4965891"/>
+            <a:off x="5076901" y="4948957"/>
             <a:ext cx="1636776" cy="2457083"/>
           </a:xfrm>
           <a:prstGeom prst="rect">
@@ -6756,7 +6756,7 @@
         </p:nvSpPr>
         <p:spPr>
           <a:xfrm>
-            <a:off x="1646717" y="4960614"/>
+            <a:off x="1646717" y="4943680"/>
             <a:ext cx="486765" cy="584776"/>
           </a:xfrm>
           <a:prstGeom prst="rect">
@@ -6795,7 +6795,7 @@
         </p:nvSpPr>
         <p:spPr>
           <a:xfrm>
-            <a:off x="3618075" y="4954265"/>
+            <a:off x="3618075" y="4937331"/>
             <a:ext cx="486765" cy="584776"/>
           </a:xfrm>
           <a:prstGeom prst="rect">
@@ -6834,7 +6834,7 @@
         </p:nvSpPr>
         <p:spPr>
           <a:xfrm>
-            <a:off x="6290836" y="4960615"/>
+            <a:off x="6290836" y="4943681"/>
             <a:ext cx="518091" cy="584776"/>
           </a:xfrm>
           <a:prstGeom prst="rect">
@@ -6873,7 +6873,7 @@
         </p:nvSpPr>
         <p:spPr>
           <a:xfrm>
-            <a:off x="2293266" y="4857091"/>
+            <a:off x="2293266" y="4840157"/>
             <a:ext cx="1692858" cy="230832"/>
           </a:xfrm>
           <a:prstGeom prst="rect">
@@ -6996,7 +6996,7 @@
         </p:nvSpPr>
         <p:spPr>
           <a:xfrm>
-            <a:off x="4997715" y="4857091"/>
+            <a:off x="4997715" y="4840157"/>
             <a:ext cx="1701387" cy="230832"/>
           </a:xfrm>
           <a:prstGeom prst="rect">
@@ -7119,7 +7119,7 @@
         </p:nvSpPr>
         <p:spPr>
           <a:xfrm>
-            <a:off x="2236740" y="7438565"/>
+            <a:off x="2236740" y="7421631"/>
             <a:ext cx="1908738" cy="230832"/>
           </a:xfrm>
           <a:prstGeom prst="rect">
@@ -7235,7 +7235,7 @@
         </p:nvSpPr>
         <p:spPr>
           <a:xfrm>
-            <a:off x="4946938" y="7438565"/>
+            <a:off x="4946938" y="7421631"/>
             <a:ext cx="1915914" cy="230832"/>
           </a:xfrm>
           <a:prstGeom prst="rect">
@@ -7351,7 +7351,7 @@
         </p:nvSpPr>
         <p:spPr>
           <a:xfrm>
-            <a:off x="1287901" y="3821847"/>
+            <a:off x="1287901" y="3804913"/>
             <a:ext cx="3588585" cy="923330"/>
           </a:xfrm>
           <a:prstGeom prst="rect">
@@ -8135,7 +8135,7 @@
         </p:nvSpPr>
         <p:spPr>
           <a:xfrm>
-            <a:off x="369450" y="4703202"/>
+            <a:off x="369450" y="4686268"/>
             <a:ext cx="1198395" cy="369332"/>
           </a:xfrm>
           <a:prstGeom prst="rect">
@@ -8302,7 +8302,7 @@
         </p:nvSpPr>
         <p:spPr>
           <a:xfrm>
-            <a:off x="280788" y="7470628"/>
+            <a:off x="280788" y="7453694"/>
             <a:ext cx="1369359" cy="369332"/>
           </a:xfrm>
           <a:prstGeom prst="rect">
@@ -8469,7 +8469,7 @@
         </p:nvSpPr>
         <p:spPr>
           <a:xfrm>
-            <a:off x="1816287" y="2872601"/>
+            <a:off x="1816287" y="2855667"/>
             <a:ext cx="3204916" cy="507831"/>
           </a:xfrm>
           <a:prstGeom prst="rect">
@@ -8971,7 +8971,7 @@
         </p:nvSpPr>
         <p:spPr>
           <a:xfrm>
-            <a:off x="1987667" y="8575603"/>
+            <a:off x="1987667" y="8558669"/>
             <a:ext cx="4326974" cy="507831"/>
           </a:xfrm>
           <a:prstGeom prst="rect">
@@ -9481,7 +9481,7 @@
         </p:nvSpPr>
         <p:spPr>
           <a:xfrm>
-            <a:off x="1482166" y="7877721"/>
+            <a:off x="1482166" y="7860787"/>
             <a:ext cx="3713656" cy="369332"/>
           </a:xfrm>
           <a:prstGeom prst="rect">
@@ -9748,7 +9748,7 @@
         </p:nvSpPr>
         <p:spPr>
           <a:xfrm>
-            <a:off x="45800" y="2924145"/>
+            <a:off x="45800" y="2907211"/>
             <a:ext cx="1214057" cy="369332"/>
           </a:xfrm>
           <a:prstGeom prst="rect">
@@ -9830,7 +9830,7 @@
         </p:nvGrpSpPr>
         <p:grpSpPr>
           <a:xfrm>
-            <a:off x="5102301" y="2924145"/>
+            <a:off x="5102301" y="2907211"/>
             <a:ext cx="1843211" cy="861774"/>
             <a:chOff x="5050632" y="16938"/>
             <a:chExt cx="1843211" cy="1755854"/>
@@ -10041,11 +10041,16 @@
               <a:avLst/>
             </a:prstGeom>
             <a:noFill/>
-            <a:ln>
+            <a:ln w="6350" cap="flat" cmpd="sng" algn="ctr">
               <a:solidFill>
                 <a:schemeClr val="tx1"/>
               </a:solidFill>
+              <a:prstDash val="solid"/>
+              <a:round/>
+              <a:headEnd type="none" w="med" len="med"/>
+              <a:tailEnd type="none" w="med" len="med"/>
             </a:ln>
+            <a:effectLst/>
           </p:spPr>
           <p:style>
             <a:lnRef idx="1">
@@ -10079,7 +10084,7 @@
         </p:nvSpPr>
         <p:spPr>
           <a:xfrm>
-            <a:off x="2805059" y="3674765"/>
+            <a:off x="2805059" y="3657831"/>
             <a:ext cx="1300905" cy="230832"/>
           </a:xfrm>
           <a:prstGeom prst="rect">
@@ -10216,7 +10221,7 @@
         </p:nvSpPr>
         <p:spPr>
           <a:xfrm>
-            <a:off x="15758" y="2872601"/>
+            <a:off x="15758" y="2855667"/>
             <a:ext cx="6842241" cy="6113411"/>
           </a:xfrm>
           <a:prstGeom prst="rect">
@@ -10265,8 +10270,8 @@
         </p:nvSpPr>
         <p:spPr>
           <a:xfrm>
-            <a:off x="3610894" y="13001"/>
-            <a:ext cx="3240608" cy="2577628"/>
+            <a:off x="3505200" y="13001"/>
+            <a:ext cx="3346302" cy="2446823"/>
           </a:xfrm>
           <a:prstGeom prst="rect">
             <a:avLst/>
@@ -11448,8 +11453,8 @@
         </p:nvSpPr>
         <p:spPr>
           <a:xfrm>
-            <a:off x="2157021" y="8959552"/>
-            <a:ext cx="2559715" cy="230832"/>
+            <a:off x="2362043" y="8959552"/>
+            <a:ext cx="2149670" cy="230832"/>
           </a:xfrm>
           <a:prstGeom prst="rect">
             <a:avLst/>
@@ -11481,7 +11486,7 @@
                 <a:latin typeface="Times"/>
                 <a:cs typeface="Times"/>
               </a:rPr>
-              <a:t>) Details of the filters created when </a:t>
+              <a:t>) Details Steps 1-9 when </a:t>
             </a:r>
             <a:r>
               <a:rPr lang="en-US" sz="900" dirty="0" err="1" smtClean="0">
@@ -11547,7 +11552,7 @@
         </p:nvSpPr>
         <p:spPr>
           <a:xfrm>
-            <a:off x="2974262" y="8269726"/>
+            <a:off x="2974262" y="8252792"/>
             <a:ext cx="690730" cy="343977"/>
           </a:xfrm>
           <a:prstGeom prst="roundRect">
@@ -11591,7 +11596,7 @@
         </p:nvSpPr>
         <p:spPr>
           <a:xfrm>
-            <a:off x="3010303" y="8164738"/>
+            <a:off x="3010303" y="8147804"/>
             <a:ext cx="794388" cy="461665"/>
           </a:xfrm>
           <a:prstGeom prst="rect">
@@ -11630,7 +11635,7 @@
         </p:nvSpPr>
         <p:spPr>
           <a:xfrm>
-            <a:off x="4593851" y="2590629"/>
+            <a:off x="4541004" y="2446690"/>
             <a:ext cx="1274695" cy="230832"/>
           </a:xfrm>
           <a:prstGeom prst="rect">
